--- a/랩미팅/201903/190322 DQN (Jong).pptx
+++ b/랩미팅/201903/190322 DQN (Jong).pptx
@@ -5,7 +5,7 @@
     <p:sldMasterId id="2147483660" r:id="rId1"/>
   </p:sldMasterIdLst>
   <p:notesMasterIdLst>
-    <p:notesMasterId r:id="rId8"/>
+    <p:notesMasterId r:id="rId9"/>
   </p:notesMasterIdLst>
   <p:sldIdLst>
     <p:sldId id="258" r:id="rId2"/>
@@ -13,7 +13,8 @@
     <p:sldId id="311" r:id="rId4"/>
     <p:sldId id="314" r:id="rId5"/>
     <p:sldId id="315" r:id="rId6"/>
-    <p:sldId id="316" r:id="rId7"/>
+    <p:sldId id="317" r:id="rId7"/>
+    <p:sldId id="316" r:id="rId8"/>
   </p:sldIdLst>
   <p:sldSz cx="9144000" cy="6858000" type="screen4x3"/>
   <p:notesSz cx="6735763" cy="9866313"/>
@@ -788,6 +789,90 @@
             <a:fld id="{6D0ABE42-EEBB-47F0-BC6E-2BB25FA03CFE}" type="slidenum">
               <a:rPr lang="ko-KR" altLang="en-US" smtClean="0"/>
               <a:t>6</a:t>
+            </a:fld>
+            <a:endParaRPr lang="ko-KR" altLang="en-US"/>
+          </a:p>
+        </p:txBody>
+      </p:sp>
+    </p:spTree>
+    <p:extLst>
+      <p:ext uri="{BB962C8B-B14F-4D97-AF65-F5344CB8AC3E}">
+        <p14:creationId xmlns:p14="http://schemas.microsoft.com/office/powerpoint/2010/main" val="2997702377"/>
+      </p:ext>
+    </p:extLst>
+  </p:cSld>
+  <p:clrMapOvr>
+    <a:masterClrMapping/>
+  </p:clrMapOvr>
+</p:notes>
+</file>
+
+<file path=ppt/notesSlides/notesSlide5.xml><?xml version="1.0" encoding="utf-8"?>
+<p:notes xmlns:a="http://schemas.openxmlformats.org/drawingml/2006/main" xmlns:r="http://schemas.openxmlformats.org/officeDocument/2006/relationships" xmlns:p="http://schemas.openxmlformats.org/presentationml/2006/main">
+  <p:cSld>
+    <p:spTree>
+      <p:nvGrpSpPr>
+        <p:cNvPr id="1" name=""/>
+        <p:cNvGrpSpPr/>
+        <p:nvPr/>
+      </p:nvGrpSpPr>
+      <p:grpSpPr>
+        <a:xfrm>
+          <a:off x="0" y="0"/>
+          <a:ext cx="0" cy="0"/>
+          <a:chOff x="0" y="0"/>
+          <a:chExt cx="0" cy="0"/>
+        </a:xfrm>
+      </p:grpSpPr>
+      <p:sp>
+        <p:nvSpPr>
+          <p:cNvPr id="2" name="슬라이드 이미지 개체 틀 1"/>
+          <p:cNvSpPr>
+            <a:spLocks noGrp="1" noRot="1" noChangeAspect="1"/>
+          </p:cNvSpPr>
+          <p:nvPr>
+            <p:ph type="sldImg"/>
+          </p:nvPr>
+        </p:nvSpPr>
+        <p:spPr/>
+      </p:sp>
+      <p:sp>
+        <p:nvSpPr>
+          <p:cNvPr id="3" name="슬라이드 노트 개체 틀 2"/>
+          <p:cNvSpPr>
+            <a:spLocks noGrp="1"/>
+          </p:cNvSpPr>
+          <p:nvPr>
+            <p:ph type="body" idx="1"/>
+          </p:nvPr>
+        </p:nvSpPr>
+        <p:spPr/>
+        <p:txBody>
+          <a:bodyPr/>
+          <a:lstStyle/>
+          <a:p>
+            <a:endParaRPr lang="ko-KR" altLang="en-US"/>
+          </a:p>
+        </p:txBody>
+      </p:sp>
+      <p:sp>
+        <p:nvSpPr>
+          <p:cNvPr id="4" name="슬라이드 번호 개체 틀 3"/>
+          <p:cNvSpPr>
+            <a:spLocks noGrp="1"/>
+          </p:cNvSpPr>
+          <p:nvPr>
+            <p:ph type="sldNum" sz="quarter" idx="10"/>
+          </p:nvPr>
+        </p:nvSpPr>
+        <p:spPr/>
+        <p:txBody>
+          <a:bodyPr/>
+          <a:lstStyle/>
+          <a:p>
+            <a:fld id="{6D0ABE42-EEBB-47F0-BC6E-2BB25FA03CFE}" type="slidenum">
+              <a:rPr lang="ko-KR" altLang="en-US" smtClean="0"/>
+              <a:t>7</a:t>
             </a:fld>
             <a:endParaRPr lang="ko-KR" altLang="en-US"/>
           </a:p>
@@ -6342,15 +6427,7 @@
             </a:pPr>
             <a:r>
               <a:rPr lang="en-US" altLang="ko-KR" dirty="0" smtClean="0"/>
-              <a:t>Reward </a:t>
-            </a:r>
-            <a:r>
-              <a:rPr lang="en-US" altLang="ko-KR" dirty="0" smtClean="0"/>
-              <a:t>Scale </a:t>
-            </a:r>
-            <a:r>
-              <a:rPr lang="en-US" altLang="ko-KR" dirty="0" smtClean="0"/>
-              <a:t>Problem: </a:t>
+              <a:t>Reward Scale Problem: </a:t>
             </a:r>
             <a:r>
               <a:rPr lang="ko-KR" altLang="en-US" dirty="0"/>
@@ -6385,11 +6462,23 @@
             </a:pPr>
             <a:r>
               <a:rPr lang="en-US" altLang="ko-KR" dirty="0" smtClean="0"/>
-              <a:t>Fail Q factor = -30</a:t>
+              <a:t>Fail Q factor = </a:t>
+            </a:r>
+            <a:r>
+              <a:rPr lang="en-US" altLang="ko-KR" dirty="0" smtClean="0"/>
+              <a:t>-10 </a:t>
+            </a:r>
+            <a:r>
+              <a:rPr lang="en-US" altLang="ko-KR" smtClean="0"/>
+              <a:t>(reward = -1)</a:t>
+            </a:r>
+            <a:r>
+              <a:rPr lang="ko-KR" altLang="en-US" smtClean="0"/>
+              <a:t>으로 </a:t>
             </a:r>
             <a:r>
               <a:rPr lang="ko-KR" altLang="en-US" dirty="0" smtClean="0"/>
-              <a:t>으로 조정</a:t>
+              <a:t>조정</a:t>
             </a:r>
             <a:endParaRPr lang="ko-KR" altLang="en-US" dirty="0"/>
           </a:p>
@@ -6473,6 +6562,336 @@
             <a:fld id="{8765F8EB-1186-4395-8E70-F957669279DD}" type="slidenum">
               <a:rPr lang="ko-KR" altLang="en-US" smtClean="0"/>
               <a:t>6</a:t>
+            </a:fld>
+            <a:endParaRPr lang="ko-KR" altLang="en-US"/>
+          </a:p>
+        </p:txBody>
+      </p:sp>
+      <p:sp>
+        <p:nvSpPr>
+          <p:cNvPr id="5" name="TextBox 4"/>
+          <p:cNvSpPr txBox="1"/>
+          <p:nvPr/>
+        </p:nvSpPr>
+        <p:spPr>
+          <a:xfrm>
+            <a:off x="0" y="26578"/>
+            <a:ext cx="3268139" cy="400110"/>
+          </a:xfrm>
+          <a:prstGeom prst="rect">
+            <a:avLst/>
+          </a:prstGeom>
+          <a:noFill/>
+        </p:spPr>
+        <p:txBody>
+          <a:bodyPr wrap="none" rtlCol="0">
+            <a:spAutoFit/>
+          </a:bodyPr>
+          <a:lstStyle/>
+          <a:p>
+            <a:r>
+              <a:rPr lang="en-US" altLang="ko-KR" sz="2000" b="1" dirty="0" smtClean="0">
+                <a:solidFill>
+                  <a:srgbClr val="3333FF"/>
+                </a:solidFill>
+              </a:rPr>
+              <a:t>Q-network Learning (Python)</a:t>
+            </a:r>
+            <a:endParaRPr lang="ko-KR" altLang="en-US" sz="2000" b="1" dirty="0">
+              <a:solidFill>
+                <a:srgbClr val="3333FF"/>
+              </a:solidFill>
+            </a:endParaRPr>
+          </a:p>
+        </p:txBody>
+      </p:sp>
+      <p:sp>
+        <p:nvSpPr>
+          <p:cNvPr id="12" name="TextBox 11"/>
+          <p:cNvSpPr txBox="1"/>
+          <p:nvPr/>
+        </p:nvSpPr>
+        <p:spPr>
+          <a:xfrm>
+            <a:off x="2858020" y="3972548"/>
+            <a:ext cx="3427960" cy="369332"/>
+          </a:xfrm>
+          <a:prstGeom prst="rect">
+            <a:avLst/>
+          </a:prstGeom>
+          <a:noFill/>
+        </p:spPr>
+        <p:txBody>
+          <a:bodyPr wrap="square" rtlCol="0">
+            <a:spAutoFit/>
+          </a:bodyPr>
+          <a:lstStyle/>
+          <a:p>
+            <a:r>
+              <a:rPr lang="en-US" altLang="ko-KR" dirty="0" smtClean="0"/>
+              <a:t>Reward = </a:t>
+            </a:r>
+            <a:r>
+              <a:rPr lang="en-US" altLang="ko-KR" dirty="0" err="1" smtClean="0"/>
+              <a:t>rawReward</a:t>
+            </a:r>
+            <a:r>
+              <a:rPr lang="en-US" altLang="ko-KR" dirty="0" smtClean="0"/>
+              <a:t> - </a:t>
+            </a:r>
+            <a:r>
+              <a:rPr lang="en-US" altLang="ko-KR" dirty="0" err="1" smtClean="0"/>
+              <a:t>preReward</a:t>
+            </a:r>
+            <a:endParaRPr lang="ko-KR" altLang="en-US" dirty="0"/>
+          </a:p>
+        </p:txBody>
+      </p:sp>
+      <p:sp>
+        <p:nvSpPr>
+          <p:cNvPr id="14" name="TextBox 13"/>
+          <p:cNvSpPr txBox="1"/>
+          <p:nvPr/>
+        </p:nvSpPr>
+        <p:spPr>
+          <a:xfrm>
+            <a:off x="1634069" y="1572703"/>
+            <a:ext cx="1008956" cy="369332"/>
+          </a:xfrm>
+          <a:prstGeom prst="rect">
+            <a:avLst/>
+          </a:prstGeom>
+          <a:noFill/>
+        </p:spPr>
+        <p:txBody>
+          <a:bodyPr wrap="square" rtlCol="0">
+            <a:spAutoFit/>
+          </a:bodyPr>
+          <a:lstStyle/>
+          <a:p>
+            <a:r>
+              <a:rPr lang="en-US" altLang="ko-KR" dirty="0" smtClean="0"/>
+              <a:t>Reward</a:t>
+            </a:r>
+            <a:endParaRPr lang="ko-KR" altLang="en-US" dirty="0"/>
+          </a:p>
+        </p:txBody>
+      </p:sp>
+      <p:sp>
+        <p:nvSpPr>
+          <p:cNvPr id="15" name="TextBox 14"/>
+          <p:cNvSpPr txBox="1"/>
+          <p:nvPr/>
+        </p:nvSpPr>
+        <p:spPr>
+          <a:xfrm>
+            <a:off x="1584208" y="2791355"/>
+            <a:ext cx="1058817" cy="369332"/>
+          </a:xfrm>
+          <a:prstGeom prst="rect">
+            <a:avLst/>
+          </a:prstGeom>
+          <a:noFill/>
+        </p:spPr>
+        <p:txBody>
+          <a:bodyPr wrap="square" rtlCol="0">
+            <a:spAutoFit/>
+          </a:bodyPr>
+          <a:lstStyle/>
+          <a:p>
+            <a:r>
+              <a:rPr lang="en-US" altLang="ko-KR" dirty="0" smtClean="0"/>
+              <a:t>Max Step</a:t>
+            </a:r>
+            <a:endParaRPr lang="ko-KR" altLang="en-US" dirty="0"/>
+          </a:p>
+        </p:txBody>
+      </p:sp>
+      <p:sp>
+        <p:nvSpPr>
+          <p:cNvPr id="16" name="TextBox 15"/>
+          <p:cNvSpPr txBox="1"/>
+          <p:nvPr/>
+        </p:nvSpPr>
+        <p:spPr>
+          <a:xfrm>
+            <a:off x="247081" y="4676034"/>
+            <a:ext cx="8625840" cy="923330"/>
+          </a:xfrm>
+          <a:prstGeom prst="rect">
+            <a:avLst/>
+          </a:prstGeom>
+          <a:noFill/>
+        </p:spPr>
+        <p:txBody>
+          <a:bodyPr wrap="square" rtlCol="0">
+            <a:spAutoFit/>
+          </a:bodyPr>
+          <a:lstStyle/>
+          <a:p>
+            <a:r>
+              <a:rPr lang="en-US" altLang="ko-KR" dirty="0" smtClean="0"/>
+              <a:t>Fail Q factor = -1000 -&gt; reward = -100</a:t>
+            </a:r>
+          </a:p>
+          <a:p>
+            <a:pPr marL="285750" indent="-285750">
+              <a:buFont typeface="Symbol" panose="05050102010706020507" pitchFamily="18" charset="2"/>
+              <a:buChar char="Þ"/>
+            </a:pPr>
+            <a:r>
+              <a:rPr lang="en-US" altLang="ko-KR" dirty="0" smtClean="0"/>
+              <a:t>Reward Scale Problem: </a:t>
+            </a:r>
+            <a:r>
+              <a:rPr lang="ko-KR" altLang="en-US" dirty="0"/>
+              <a:t>학습해야하는 </a:t>
+            </a:r>
+            <a:r>
+              <a:rPr lang="en-US" altLang="ko-KR" dirty="0"/>
+              <a:t>Q-value</a:t>
+            </a:r>
+            <a:r>
+              <a:rPr lang="ko-KR" altLang="en-US" dirty="0"/>
+              <a:t>의 </a:t>
+            </a:r>
+            <a:r>
+              <a:rPr lang="en-US" altLang="ko-KR" dirty="0"/>
+              <a:t>variance</a:t>
+            </a:r>
+            <a:r>
+              <a:rPr lang="ko-KR" altLang="en-US" dirty="0"/>
+              <a:t>가 매우 커서 </a:t>
+            </a:r>
+            <a:r>
+              <a:rPr lang="ko-KR" altLang="en-US" dirty="0" smtClean="0"/>
+              <a:t>학습이 어려움</a:t>
+            </a:r>
+            <a:endParaRPr lang="en-US" altLang="ko-KR" dirty="0" smtClean="0"/>
+          </a:p>
+          <a:p>
+            <a:pPr marL="285750" indent="-285750">
+              <a:buFont typeface="Symbol" panose="05050102010706020507" pitchFamily="18" charset="2"/>
+              <a:buChar char="Þ"/>
+            </a:pPr>
+            <a:r>
+              <a:rPr lang="en-US" altLang="ko-KR" dirty="0" smtClean="0"/>
+              <a:t>Fail Q factor = </a:t>
+            </a:r>
+            <a:r>
+              <a:rPr lang="en-US" altLang="ko-KR" dirty="0" smtClean="0"/>
+              <a:t>-10</a:t>
+            </a:r>
+            <a:r>
+              <a:rPr lang="ko-KR" altLang="en-US" dirty="0" smtClean="0"/>
+              <a:t>으로 조정</a:t>
+            </a:r>
+            <a:endParaRPr lang="ko-KR" altLang="en-US" dirty="0"/>
+          </a:p>
+        </p:txBody>
+      </p:sp>
+      <p:pic>
+        <p:nvPicPr>
+          <p:cNvPr id="4" name="그림 3"/>
+          <p:cNvPicPr>
+            <a:picLocks noChangeAspect="1"/>
+          </p:cNvPicPr>
+          <p:nvPr/>
+        </p:nvPicPr>
+        <p:blipFill>
+          <a:blip r:embed="rId3"/>
+          <a:stretch>
+            <a:fillRect/>
+          </a:stretch>
+        </p:blipFill>
+        <p:spPr>
+          <a:xfrm>
+            <a:off x="2592000" y="1138721"/>
+            <a:ext cx="3960000" cy="2640000"/>
+          </a:xfrm>
+          <a:prstGeom prst="rect">
+            <a:avLst/>
+          </a:prstGeom>
+        </p:spPr>
+      </p:pic>
+    </p:spTree>
+    <p:extLst>
+      <p:ext uri="{BB962C8B-B14F-4D97-AF65-F5344CB8AC3E}">
+        <p14:creationId xmlns:p14="http://schemas.microsoft.com/office/powerpoint/2010/main" val="59051796"/>
+      </p:ext>
+    </p:extLst>
+  </p:cSld>
+  <p:clrMapOvr>
+    <a:masterClrMapping/>
+  </p:clrMapOvr>
+  <p:timing>
+    <p:tnLst>
+      <p:par>
+        <p:cTn id="1" dur="indefinite" restart="never" nodeType="tmRoot"/>
+      </p:par>
+    </p:tnLst>
+  </p:timing>
+</p:sld>
+</file>
+
+<file path=ppt/slides/slide7.xml><?xml version="1.0" encoding="utf-8"?>
+<p:sld xmlns:a="http://schemas.openxmlformats.org/drawingml/2006/main" xmlns:r="http://schemas.openxmlformats.org/officeDocument/2006/relationships" xmlns:p="http://schemas.openxmlformats.org/presentationml/2006/main">
+  <p:cSld>
+    <p:spTree>
+      <p:nvGrpSpPr>
+        <p:cNvPr id="1" name=""/>
+        <p:cNvGrpSpPr/>
+        <p:nvPr/>
+      </p:nvGrpSpPr>
+      <p:grpSpPr>
+        <a:xfrm>
+          <a:off x="0" y="0"/>
+          <a:ext cx="0" cy="0"/>
+          <a:chOff x="0" y="0"/>
+          <a:chExt cx="0" cy="0"/>
+        </a:xfrm>
+      </p:grpSpPr>
+      <p:sp>
+        <p:nvSpPr>
+          <p:cNvPr id="2" name="날짜 개체 틀 1"/>
+          <p:cNvSpPr>
+            <a:spLocks noGrp="1"/>
+          </p:cNvSpPr>
+          <p:nvPr>
+            <p:ph type="dt" sz="half" idx="10"/>
+          </p:nvPr>
+        </p:nvSpPr>
+        <p:spPr/>
+        <p:txBody>
+          <a:bodyPr/>
+          <a:lstStyle/>
+          <a:p>
+            <a:fld id="{32C03489-23FC-4021-B9AB-958EFB3C0FE7}" type="datetime1">
+              <a:rPr lang="ko-KR" altLang="en-US" smtClean="0"/>
+              <a:t>2019-03-22</a:t>
+            </a:fld>
+            <a:endParaRPr lang="ko-KR" altLang="en-US"/>
+          </a:p>
+        </p:txBody>
+      </p:sp>
+      <p:sp>
+        <p:nvSpPr>
+          <p:cNvPr id="3" name="슬라이드 번호 개체 틀 2"/>
+          <p:cNvSpPr>
+            <a:spLocks noGrp="1"/>
+          </p:cNvSpPr>
+          <p:nvPr>
+            <p:ph type="sldNum" sz="quarter" idx="12"/>
+          </p:nvPr>
+        </p:nvSpPr>
+        <p:spPr/>
+        <p:txBody>
+          <a:bodyPr/>
+          <a:lstStyle/>
+          <a:p>
+            <a:fld id="{8765F8EB-1186-4395-8E70-F957669279DD}" type="slidenum">
+              <a:rPr lang="ko-KR" altLang="en-US" smtClean="0"/>
+              <a:t>7</a:t>
             </a:fld>
             <a:endParaRPr lang="ko-KR" altLang="en-US"/>
           </a:p>
